--- a/4. UI/Day 31/Slides/4.  JavaScript (ES6)/4. ES6 Classes and Maps/m4-slides.pptx
+++ b/4. UI/Day 31/Slides/4.  JavaScript (ES6)/4. ES6 Classes and Maps/m4-slides.pptx
@@ -4738,7 +4738,7 @@
         <p:spPr>
           <a:xfrm>
             <a:off x="506164" y="488694"/>
-            <a:ext cx="4979035" cy="3683000"/>
+            <a:ext cx="4979035" cy="4075430"/>
           </a:xfrm>
           <a:prstGeom prst="rect">
             <a:avLst/>
@@ -9822,7 +9822,7 @@
         <p:spPr>
           <a:xfrm>
             <a:off x="5168898" y="1820270"/>
-            <a:ext cx="5040630" cy="2174240"/>
+            <a:ext cx="5040630" cy="2785110"/>
           </a:xfrm>
           <a:prstGeom prst="rect">
             <a:avLst/>
@@ -10017,7 +10017,37 @@
               </a:rPr>
               <a:t>new.target</a:t>
             </a:r>
-            <a:endParaRPr sz="2400">
+            <a:endParaRPr sz="2400" spc="-35" dirty="0">
+              <a:solidFill>
+                <a:srgbClr val="F05A28"/>
+              </a:solidFill>
+              <a:latin typeface="Verdana" panose="020B0604030504040204"/>
+              <a:cs typeface="Verdana" panose="020B0604030504040204"/>
+            </a:endParaRPr>
+          </a:p>
+          <a:p>
+            <a:pPr marL="12700">
+              <a:lnSpc>
+                <a:spcPct val="100000"/>
+              </a:lnSpc>
+              <a:spcBef>
+                <a:spcPts val="1800"/>
+              </a:spcBef>
+            </a:pPr>
+            <a:r>
+              <a:rPr sz="2400" spc="10" dirty="0">
+                <a:solidFill>
+                  <a:srgbClr val="F05A28"/>
+                </a:solidFill>
+                <a:latin typeface="Verdana" panose="020B0604030504040204"/>
+                <a:cs typeface="Verdana" panose="020B0604030504040204"/>
+              </a:rPr>
+              <a:t>Map and Weak Map</a:t>
+            </a:r>
+            <a:endParaRPr sz="2400" spc="10" dirty="0">
+              <a:solidFill>
+                <a:srgbClr val="F05A28"/>
+              </a:solidFill>
               <a:latin typeface="Verdana" panose="020B0604030504040204"/>
               <a:cs typeface="Verdana" panose="020B0604030504040204"/>
             </a:endParaRPr>
@@ -10522,8 +10552,8 @@
         </p:nvSpPr>
         <p:spPr>
           <a:xfrm>
-            <a:off x="506164" y="1220214"/>
-            <a:ext cx="6596380" cy="2951480"/>
+            <a:off x="381000" y="1752600"/>
+            <a:ext cx="7209155" cy="2881630"/>
           </a:xfrm>
           <a:prstGeom prst="rect">
             <a:avLst/>
@@ -21229,7 +21259,7 @@
         <p:spPr>
           <a:xfrm>
             <a:off x="506164" y="854454"/>
-            <a:ext cx="3910965" cy="2219960"/>
+            <a:ext cx="3910965" cy="2228215"/>
           </a:xfrm>
           <a:prstGeom prst="rect">
             <a:avLst/>
@@ -24096,6 +24126,10 @@
           </p:nvPr>
         </p:nvSpPr>
         <p:spPr>
+          <a:xfrm>
+            <a:off x="506095" y="488950"/>
+            <a:ext cx="6004560" cy="381635"/>
+          </a:xfrm>
           <a:prstGeom prst="rect">
             <a:avLst/>
           </a:prstGeom>
